--- a/Nirbhaya.pptx
+++ b/Nirbhaya.pptx
@@ -296,7 +296,7 @@
       </p15:sldGuideLst>
     </p:ext>
     <p:ext uri="GoogleSlidesCustomDataVersion2">
-      <go:slidesCustomData xmlns:go="http://customooxmlschemas.google.com/" xmlns:ahyp="http://schemas.microsoft.com/office/drawing/2018/hyperlinkcolor" xmlns:p15="http://schemas.microsoft.com/office/powerpoint/2012/main" xmlns:p14="http://schemas.microsoft.com/office/powerpoint/2010/main" xmlns:com="http://schemas.openxmlformats.org/drawingml/2006/compatibility" xmlns:pvml="urn:schemas-microsoft-com:office:powerpoint" xmlns:v="urn:schemas-microsoft-com:vml" xmlns:o="urn:schemas-microsoft-com:office:office" xmlns:dgm="http://schemas.openxmlformats.org/drawingml/2006/diagram" xmlns:c="http://schemas.openxmlformats.org/drawingml/2006/chart" xmlns:mv="urn:schemas-microsoft-com:mac:vml" xmlns:mc="http://schemas.openxmlformats.org/markup-compatibility/2006" xmlns="" r:id="rId23" roundtripDataSignature="AMtx7mjqe3KjTi4ypBoZiVY3WJPGiEDDfA=="/>
+      <go:slidesCustomData xmlns="" xmlns:mc="http://schemas.openxmlformats.org/markup-compatibility/2006" xmlns:mv="urn:schemas-microsoft-com:mac:vml" xmlns:c="http://schemas.openxmlformats.org/drawingml/2006/chart" xmlns:dgm="http://schemas.openxmlformats.org/drawingml/2006/diagram" xmlns:o="urn:schemas-microsoft-com:office:office" xmlns:v="urn:schemas-microsoft-com:vml" xmlns:pvml="urn:schemas-microsoft-com:office:powerpoint" xmlns:com="http://schemas.openxmlformats.org/drawingml/2006/compatibility" xmlns:p14="http://schemas.microsoft.com/office/powerpoint/2010/main" xmlns:p15="http://schemas.microsoft.com/office/powerpoint/2012/main" xmlns:ahyp="http://schemas.microsoft.com/office/drawing/2018/hyperlinkcolor" xmlns:go="http://customooxmlschemas.google.com/" r:id="rId23" roundtripDataSignature="AMtx7mjqe3KjTi4ypBoZiVY3WJPGiEDDfA=="/>
     </p:ext>
   </p:extLst>
 </p:presentation>
@@ -9582,8 +9582,8 @@
         </p:nvSpPr>
         <p:spPr>
           <a:xfrm>
-            <a:off x="-20365" y="0"/>
-            <a:ext cx="18308365" cy="10275570"/>
+            <a:off x="-265470" y="-1"/>
+            <a:ext cx="18573836" cy="10287001"/>
           </a:xfrm>
           <a:custGeom>
             <a:avLst/>
@@ -10326,14 +10326,14 @@
           <p:nvPr>
             <p:extLst>
               <p:ext uri="{D42A27DB-BD31-4B8C-83A1-F6EECF244321}">
-                <p14:modId xmlns:p14="http://schemas.microsoft.com/office/powerpoint/2010/main" val="1065686979"/>
+                <p14:modId xmlns:p14="http://schemas.microsoft.com/office/powerpoint/2010/main" val="1122449011"/>
               </p:ext>
             </p:extLst>
           </p:nvPr>
         </p:nvGraphicFramePr>
         <p:xfrm>
-          <a:off x="2285826" y="7956528"/>
-          <a:ext cx="12192000" cy="1188720"/>
+          <a:off x="2285826" y="7914695"/>
+          <a:ext cx="11719878" cy="1188720"/>
         </p:xfrm>
         <a:graphic>
           <a:graphicData uri="http://schemas.openxmlformats.org/drawingml/2006/table">
@@ -10342,7 +10342,7 @@
                 <a:tableStyleId>{2FC23218-A1CE-406B-A49E-9FDE17486B0B}</a:tableStyleId>
               </a:tblPr>
               <a:tblGrid>
-                <a:gridCol w="12192000">
+                <a:gridCol w="11719878">
                   <a:extLst>
                     <a:ext uri="{9D8B030D-6E8A-4147-A177-3AD203B41FA5}">
                       <a16:colId xmlns:a16="http://schemas.microsoft.com/office/drawing/2014/main" val="1415416376"/>
@@ -10357,38 +10357,38 @@
                     <a:lstStyle/>
                     <a:p>
                       <a:r>
-                        <a:rPr lang="en-US" sz="2400" b="0" u="sng" dirty="0">
+                        <a:rPr lang="en-US" sz="2400" b="0" u="none" dirty="0">
                           <a:latin typeface="+mn-lt"/>
                           <a:hlinkClick r:id="rId5"/>
                         </a:rPr>
                         <a:t>Email : jnaneshl587@gmail.com</a:t>
                       </a:r>
-                      <a:endParaRPr lang="en-US" sz="2400" b="0" u="sng" dirty="0">
+                      <a:endParaRPr lang="en-US" sz="2400" b="0" u="none" dirty="0">
                         <a:latin typeface="+mn-lt"/>
                       </a:endParaRPr>
                     </a:p>
                     <a:p>
                       <a:r>
-                        <a:rPr lang="en-US" sz="2400" b="0" u="sng" dirty="0" err="1">
+                        <a:rPr lang="en-US" sz="2400" b="0" u="none" dirty="0" err="1">
                           <a:latin typeface="+mn-lt"/>
                         </a:rPr>
                         <a:t>Phn</a:t>
                       </a:r>
                       <a:r>
-                        <a:rPr lang="en-US" sz="2400" b="0" u="sng" dirty="0">
+                        <a:rPr lang="en-US" sz="2400" b="0" u="none" dirty="0">
                           <a:latin typeface="+mn-lt"/>
                         </a:rPr>
-                        <a:t> : 7760989192</a:t>
+                        <a:t> : 7760989192,9353396740</a:t>
                       </a:r>
                     </a:p>
                     <a:p>
                       <a:r>
-                        <a:rPr lang="en-US" sz="2400" b="0" u="sng" dirty="0">
+                        <a:rPr lang="en-US" sz="2400" b="0" u="none" dirty="0">
                           <a:latin typeface="+mn-lt"/>
                         </a:rPr>
                         <a:t>College : SMVITM </a:t>
                       </a:r>
-                      <a:endParaRPr lang="en-IN" sz="2400" b="0" u="sng" dirty="0">
+                      <a:endParaRPr lang="en-IN" sz="2400" b="0" u="none" dirty="0">
                         <a:latin typeface="+mn-lt"/>
                       </a:endParaRPr>
                     </a:p>
@@ -10430,6 +10430,46 @@
           </a:graphicData>
         </a:graphic>
       </p:graphicFrame>
+      <p:pic>
+        <p:nvPicPr>
+          <p:cNvPr id="6" name="Picture 5">
+            <a:extLst>
+              <a:ext uri="{FF2B5EF4-FFF2-40B4-BE49-F238E27FC236}">
+                <a16:creationId xmlns:a16="http://schemas.microsoft.com/office/drawing/2014/main" id="{D9CA0FF8-21FA-9932-78F1-629981BD531D}"/>
+              </a:ext>
+            </a:extLst>
+          </p:cNvPr>
+          <p:cNvPicPr>
+            <a:picLocks noChangeAspect="1"/>
+          </p:cNvPicPr>
+          <p:nvPr/>
+        </p:nvPicPr>
+        <p:blipFill>
+          <a:blip r:embed="rId6"/>
+          <a:stretch>
+            <a:fillRect/>
+          </a:stretch>
+        </p:blipFill>
+        <p:spPr>
+          <a:xfrm>
+            <a:off x="15379119" y="7622537"/>
+            <a:ext cx="2147647" cy="2147647"/>
+          </a:xfrm>
+          <a:prstGeom prst="rect">
+            <a:avLst/>
+          </a:prstGeom>
+          <a:ln>
+            <a:noFill/>
+          </a:ln>
+          <a:effectLst>
+            <a:outerShdw blurRad="292100" dist="139700" dir="2700000" algn="tl" rotWithShape="0">
+              <a:srgbClr val="333333">
+                <a:alpha val="65000"/>
+              </a:srgbClr>
+            </a:outerShdw>
+          </a:effectLst>
+        </p:spPr>
+      </p:pic>
     </p:spTree>
   </p:cSld>
   <p:clrMapOvr>
